--- a/topic03/talk-1/css2.pptx
+++ b/topic03/talk-1/css2.pptx
@@ -318,7 +318,7 @@
           <a:p>
             <a:fld id="{9216C11E-96C5-4290-86C3-6FD3D269B40F}" type="datetimeFigureOut">
               <a:rPr lang="en-GB" smtClean="0"/>
-              <a:t>16/09/2015</a:t>
+              <a:t>23/09/2015</a:t>
             </a:fld>
             <a:endParaRPr lang="en-GB"/>
           </a:p>
@@ -488,7 +488,7 @@
           <a:p>
             <a:fld id="{9216C11E-96C5-4290-86C3-6FD3D269B40F}" type="datetimeFigureOut">
               <a:rPr lang="en-GB" smtClean="0"/>
-              <a:t>16/09/2015</a:t>
+              <a:t>23/09/2015</a:t>
             </a:fld>
             <a:endParaRPr lang="en-GB"/>
           </a:p>
@@ -668,7 +668,7 @@
           <a:p>
             <a:fld id="{9216C11E-96C5-4290-86C3-6FD3D269B40F}" type="datetimeFigureOut">
               <a:rPr lang="en-GB" smtClean="0"/>
-              <a:t>16/09/2015</a:t>
+              <a:t>23/09/2015</a:t>
             </a:fld>
             <a:endParaRPr lang="en-GB"/>
           </a:p>
@@ -2679,7 +2679,7 @@
           <a:p>
             <a:fld id="{9216C11E-96C5-4290-86C3-6FD3D269B40F}" type="datetimeFigureOut">
               <a:rPr lang="en-GB" smtClean="0"/>
-              <a:t>16/09/2015</a:t>
+              <a:t>23/09/2015</a:t>
             </a:fld>
             <a:endParaRPr lang="en-GB"/>
           </a:p>
@@ -4967,7 +4967,7 @@
           <a:p>
             <a:fld id="{9216C11E-96C5-4290-86C3-6FD3D269B40F}" type="datetimeFigureOut">
               <a:rPr lang="en-GB" smtClean="0"/>
-              <a:t>16/09/2015</a:t>
+              <a:t>23/09/2015</a:t>
             </a:fld>
             <a:endParaRPr lang="en-GB"/>
           </a:p>
@@ -5882,7 +5882,7 @@
           <a:p>
             <a:fld id="{9216C11E-96C5-4290-86C3-6FD3D269B40F}" type="datetimeFigureOut">
               <a:rPr lang="en-GB" smtClean="0"/>
-              <a:t>16/09/2015</a:t>
+              <a:t>23/09/2015</a:t>
             </a:fld>
             <a:endParaRPr lang="en-GB"/>
           </a:p>
@@ -6304,7 +6304,7 @@
           <a:p>
             <a:fld id="{9216C11E-96C5-4290-86C3-6FD3D269B40F}" type="datetimeFigureOut">
               <a:rPr lang="en-GB" smtClean="0"/>
-              <a:t>16/09/2015</a:t>
+              <a:t>23/09/2015</a:t>
             </a:fld>
             <a:endParaRPr lang="en-GB"/>
           </a:p>
@@ -6422,7 +6422,7 @@
           <a:p>
             <a:fld id="{9216C11E-96C5-4290-86C3-6FD3D269B40F}" type="datetimeFigureOut">
               <a:rPr lang="en-GB" smtClean="0"/>
-              <a:t>16/09/2015</a:t>
+              <a:t>23/09/2015</a:t>
             </a:fld>
             <a:endParaRPr lang="en-GB"/>
           </a:p>
@@ -6517,7 +6517,7 @@
           <a:p>
             <a:fld id="{9216C11E-96C5-4290-86C3-6FD3D269B40F}" type="datetimeFigureOut">
               <a:rPr lang="en-GB" smtClean="0"/>
-              <a:t>16/09/2015</a:t>
+              <a:t>23/09/2015</a:t>
             </a:fld>
             <a:endParaRPr lang="en-GB"/>
           </a:p>
@@ -6794,7 +6794,7 @@
           <a:p>
             <a:fld id="{9216C11E-96C5-4290-86C3-6FD3D269B40F}" type="datetimeFigureOut">
               <a:rPr lang="en-GB" smtClean="0"/>
-              <a:t>16/09/2015</a:t>
+              <a:t>23/09/2015</a:t>
             </a:fld>
             <a:endParaRPr lang="en-GB"/>
           </a:p>
@@ -7047,7 +7047,7 @@
           <a:p>
             <a:fld id="{9216C11E-96C5-4290-86C3-6FD3D269B40F}" type="datetimeFigureOut">
               <a:rPr lang="en-GB" smtClean="0"/>
-              <a:t>16/09/2015</a:t>
+              <a:t>23/09/2015</a:t>
             </a:fld>
             <a:endParaRPr lang="en-GB"/>
           </a:p>
@@ -7260,7 +7260,7 @@
           <a:p>
             <a:fld id="{9216C11E-96C5-4290-86C3-6FD3D269B40F}" type="datetimeFigureOut">
               <a:rPr lang="en-GB" smtClean="0"/>
-              <a:t>16/09/2015</a:t>
+              <a:t>23/09/2015</a:t>
             </a:fld>
             <a:endParaRPr lang="en-GB"/>
           </a:p>
@@ -9318,7 +9318,7 @@
           <a:bodyPr/>
           <a:lstStyle/>
           <a:p>
-            <a:endParaRPr lang="en-GB"/>
+            <a:endParaRPr lang="en-GB" dirty="0"/>
           </a:p>
         </p:txBody>
       </p:sp>
@@ -9337,7 +9337,7 @@
           <a:bodyPr/>
           <a:lstStyle/>
           <a:p>
-            <a:endParaRPr lang="en-GB"/>
+            <a:endParaRPr lang="en-GB" dirty="0"/>
           </a:p>
         </p:txBody>
       </p:sp>
@@ -9364,8 +9364,8 @@
         </p:blipFill>
         <p:spPr bwMode="auto">
           <a:xfrm>
-            <a:off x="1043608" y="188640"/>
-            <a:ext cx="5688632" cy="6306471"/>
+            <a:off x="1043608" y="108812"/>
+            <a:ext cx="5760640" cy="6386300"/>
           </a:xfrm>
           <a:prstGeom prst="rect">
             <a:avLst/>
@@ -12847,7 +12847,7 @@
               <a:defRPr/>
             </a:pPr>
             <a:r>
-              <a:rPr lang="en-US" altLang="en-US" sz="1300">
+              <a:rPr lang="en-US" altLang="en-US" sz="1300" dirty="0">
                 <a:solidFill>
                   <a:srgbClr val="3F7F7F"/>
                 </a:solidFill>
@@ -12857,7 +12857,7 @@
               <a:t>p</a:t>
             </a:r>
             <a:r>
-              <a:rPr lang="en-US" altLang="en-US" sz="1300">
+              <a:rPr lang="en-US" altLang="en-US" sz="1300" dirty="0">
                 <a:solidFill>
                   <a:schemeClr val="tx1"/>
                 </a:solidFill>
@@ -12872,7 +12872,7 @@
               <a:defRPr/>
             </a:pPr>
             <a:r>
-              <a:rPr lang="en-US" altLang="en-US" sz="1300">
+              <a:rPr lang="en-US" altLang="en-US" sz="1300" dirty="0">
                 <a:solidFill>
                   <a:schemeClr val="tx1"/>
                 </a:solidFill>
@@ -12887,7 +12887,7 @@
               <a:defRPr/>
             </a:pPr>
             <a:r>
-              <a:rPr lang="en-US" altLang="en-US" sz="1300">
+              <a:rPr lang="en-US" altLang="en-US" sz="1300" dirty="0">
                 <a:solidFill>
                   <a:schemeClr val="tx1"/>
                 </a:solidFill>
@@ -12897,7 +12897,7 @@
               <a:t>  </a:t>
             </a:r>
             <a:r>
-              <a:rPr lang="en-US" altLang="en-US" sz="1300">
+              <a:rPr lang="en-US" altLang="en-US" sz="1300" dirty="0">
                 <a:solidFill>
                   <a:srgbClr val="7F007F"/>
                 </a:solidFill>
@@ -12907,7 +12907,7 @@
               <a:t>color</a:t>
             </a:r>
             <a:r>
-              <a:rPr lang="en-US" altLang="en-US" sz="1300">
+              <a:rPr lang="en-US" altLang="en-US" sz="1300" dirty="0">
                 <a:solidFill>
                   <a:schemeClr val="tx1"/>
                 </a:solidFill>
@@ -12917,7 +12917,7 @@
               <a:t>: </a:t>
             </a:r>
             <a:r>
-              <a:rPr lang="en-US" altLang="en-US" sz="1300">
+              <a:rPr lang="en-US" altLang="en-US" sz="1300" dirty="0">
                 <a:solidFill>
                   <a:srgbClr val="2A00E1"/>
                 </a:solidFill>
@@ -12927,7 +12927,7 @@
               <a:t>black</a:t>
             </a:r>
             <a:r>
-              <a:rPr lang="en-US" altLang="en-US" sz="1300">
+              <a:rPr lang="en-US" altLang="en-US" sz="1300" dirty="0">
                 <a:solidFill>
                   <a:schemeClr val="tx1"/>
                 </a:solidFill>
@@ -12942,7 +12942,7 @@
               <a:defRPr/>
             </a:pPr>
             <a:r>
-              <a:rPr lang="en-US" altLang="en-US" sz="1300">
+              <a:rPr lang="en-US" altLang="en-US" sz="1300" dirty="0">
                 <a:solidFill>
                   <a:schemeClr val="tx1"/>
                 </a:solidFill>
@@ -12952,7 +12952,7 @@
               <a:t>  </a:t>
             </a:r>
             <a:r>
-              <a:rPr lang="en-US" altLang="en-US" sz="1300">
+              <a:rPr lang="en-US" altLang="en-US" sz="1300" dirty="0">
                 <a:solidFill>
                   <a:srgbClr val="7F007F"/>
                 </a:solidFill>
@@ -12962,7 +12962,7 @@
               <a:t>background-color</a:t>
             </a:r>
             <a:r>
-              <a:rPr lang="en-US" altLang="en-US" sz="1300">
+              <a:rPr lang="en-US" altLang="en-US" sz="1300" dirty="0">
                 <a:solidFill>
                   <a:schemeClr val="tx1"/>
                 </a:solidFill>
@@ -12972,7 +12972,7 @@
               <a:t>: </a:t>
             </a:r>
             <a:r>
-              <a:rPr lang="en-US" altLang="en-US" sz="1300">
+              <a:rPr lang="en-US" altLang="en-US" sz="1300" dirty="0">
                 <a:solidFill>
                   <a:srgbClr val="2A00E1"/>
                 </a:solidFill>
@@ -12982,22 +12982,39 @@
               <a:t>teal</a:t>
             </a:r>
             <a:r>
-              <a:rPr lang="en-US" altLang="en-US" sz="1300">
-                <a:solidFill>
-                  <a:schemeClr val="tx1"/>
-                </a:solidFill>
-                <a:latin typeface="Monaco" charset="0"/>
-                <a:sym typeface="Monaco" charset="0"/>
-              </a:rPr>
-              <a:t>;  ;  </a:t>
-            </a:r>
+              <a:rPr lang="en-US" altLang="en-US" sz="1300" dirty="0">
+                <a:solidFill>
+                  <a:schemeClr val="tx1"/>
+                </a:solidFill>
+                <a:latin typeface="Monaco" charset="0"/>
+                <a:sym typeface="Monaco" charset="0"/>
+              </a:rPr>
+              <a:t>;  </a:t>
+            </a:r>
+            <a:r>
+              <a:rPr lang="en-US" altLang="en-US" sz="1300" dirty="0" smtClean="0">
+                <a:solidFill>
+                  <a:schemeClr val="tx1"/>
+                </a:solidFill>
+                <a:latin typeface="Monaco" charset="0"/>
+                <a:sym typeface="Monaco" charset="0"/>
+              </a:rPr>
+              <a:t> </a:t>
+            </a:r>
+            <a:endParaRPr lang="en-US" altLang="en-US" sz="1300" dirty="0">
+              <a:solidFill>
+                <a:schemeClr val="tx1"/>
+              </a:solidFill>
+              <a:latin typeface="Monaco" charset="0"/>
+              <a:sym typeface="Monaco" charset="0"/>
+            </a:endParaRPr>
           </a:p>
           <a:p>
             <a:pPr algn="l" eaLnBrk="1" hangingPunct="1">
               <a:defRPr/>
             </a:pPr>
             <a:r>
-              <a:rPr lang="en-US" altLang="en-US" sz="1300">
+              <a:rPr lang="en-US" altLang="en-US" sz="1300" dirty="0">
                 <a:solidFill>
                   <a:schemeClr val="tx1"/>
                 </a:solidFill>
@@ -22011,8 +22028,8 @@
         </p:blipFill>
         <p:spPr bwMode="auto">
           <a:xfrm>
-            <a:off x="395536" y="476672"/>
-            <a:ext cx="7992888" cy="5038767"/>
+            <a:off x="0" y="188640"/>
+            <a:ext cx="9023754" cy="5688632"/>
           </a:xfrm>
           <a:prstGeom prst="rect">
             <a:avLst/>
@@ -22133,8 +22150,8 @@
         </p:blipFill>
         <p:spPr bwMode="auto">
           <a:xfrm>
-            <a:off x="622300" y="1160463"/>
-            <a:ext cx="7897813" cy="4537075"/>
+            <a:off x="35496" y="188640"/>
+            <a:ext cx="9024936" cy="5184576"/>
           </a:xfrm>
           <a:prstGeom prst="rect">
             <a:avLst/>
@@ -22238,8 +22255,8 @@
         </p:blipFill>
         <p:spPr bwMode="auto">
           <a:xfrm>
-            <a:off x="395536" y="980728"/>
-            <a:ext cx="7939784" cy="4752528"/>
+            <a:off x="179512" y="260648"/>
+            <a:ext cx="8902182" cy="5328592"/>
           </a:xfrm>
           <a:prstGeom prst="rect">
             <a:avLst/>
@@ -24330,8 +24347,8 @@
         </p:nvSpPr>
         <p:spPr bwMode="auto">
           <a:xfrm rot="10800000" flipH="1">
-            <a:off x="596058" y="2173265"/>
-            <a:ext cx="252264" cy="652983"/>
+            <a:off x="467544" y="2173264"/>
+            <a:ext cx="380778" cy="1225598"/>
           </a:xfrm>
           <a:prstGeom prst="line">
             <a:avLst/>
@@ -25969,8 +25986,8 @@
         </p:nvSpPr>
         <p:spPr bwMode="auto">
           <a:xfrm rot="10800000" flipH="1">
-            <a:off x="3115346" y="2518172"/>
-            <a:ext cx="1157510" cy="802556"/>
+            <a:off x="3059832" y="2518172"/>
+            <a:ext cx="1213024" cy="1198860"/>
           </a:xfrm>
           <a:prstGeom prst="line">
             <a:avLst/>
@@ -26015,8 +26032,8 @@
         </p:nvSpPr>
         <p:spPr bwMode="auto">
           <a:xfrm rot="10800000" flipH="1">
-            <a:off x="3502670" y="3398863"/>
-            <a:ext cx="4452566" cy="296912"/>
+            <a:off x="1547663" y="3573016"/>
+            <a:ext cx="4774555" cy="800968"/>
           </a:xfrm>
           <a:prstGeom prst="line">
             <a:avLst/>
@@ -28003,11 +28020,7 @@
             <a:pPr marL="499993" lvl="1"/>
             <a:r>
               <a:rPr lang="en-US" altLang="en-US" dirty="0" smtClean="0"/>
-              <a:t>Be able to compose simple CSS rules and incorporate them into a separate CSS file for a site</a:t>
-            </a:r>
-            <a:r>
-              <a:rPr lang="en-US" altLang="en-US" dirty="0" smtClean="0"/>
-              <a:t>.</a:t>
+              <a:t>Be able to compose simple CSS rules and incorporate them into a separate CSS file for a site.</a:t>
             </a:r>
           </a:p>
           <a:p>
